--- a/第二部分.pptx
+++ b/第二部分.pptx
@@ -9456,12 +9456,42 @@
         </p:blipFill>
         <p:spPr>
           <a:xfrm>
-            <a:off x="2422525" y="1873885"/>
+            <a:off x="0" y="1944370"/>
             <a:ext cx="3202305" cy="4838700"/>
           </a:xfrm>
           <a:prstGeom prst="rect">
             <a:avLst/>
           </a:prstGeom>
+        </p:spPr>
+      </p:pic>
+      <p:pic>
+        <p:nvPicPr>
+          <p:cNvPr id="102" name="图片 101"/>
+          <p:cNvPicPr/>
+          <p:nvPr>
+            <p:custDataLst>
+              <p:tags r:id="rId4"/>
+            </p:custDataLst>
+          </p:nvPr>
+        </p:nvPicPr>
+        <p:blipFill>
+          <a:blip r:embed="rId5"/>
+          <a:stretch>
+            <a:fillRect/>
+          </a:stretch>
+        </p:blipFill>
+        <p:spPr>
+          <a:xfrm>
+            <a:off x="3319145" y="1696720"/>
+            <a:ext cx="5334000" cy="5334000"/>
+          </a:xfrm>
+          <a:prstGeom prst="rect">
+            <a:avLst/>
+          </a:prstGeom>
+          <a:noFill/>
+          <a:ln w="9525">
+            <a:noFill/>
+          </a:ln>
         </p:spPr>
       </p:pic>
     </p:spTree>
@@ -10230,8 +10260,8 @@
         </p:nvSpPr>
         <p:spPr>
           <a:xfrm>
-            <a:off x="1574994" y="642976"/>
-            <a:ext cx="2237917" cy="829945"/>
+            <a:off x="1454150" y="210820"/>
+            <a:ext cx="2479040" cy="829945"/>
           </a:xfrm>
           <a:prstGeom prst="rect">
             <a:avLst/>
@@ -10356,12 +10386,42 @@
         </p:blipFill>
         <p:spPr>
           <a:xfrm>
-            <a:off x="3510915" y="1002030"/>
+            <a:off x="0" y="1270635"/>
             <a:ext cx="3761740" cy="5746750"/>
           </a:xfrm>
           <a:prstGeom prst="rect">
             <a:avLst/>
           </a:prstGeom>
+        </p:spPr>
+      </p:pic>
+      <p:pic>
+        <p:nvPicPr>
+          <p:cNvPr id="101" name="图片 100"/>
+          <p:cNvPicPr/>
+          <p:nvPr>
+            <p:custDataLst>
+              <p:tags r:id="rId4"/>
+            </p:custDataLst>
+          </p:nvPr>
+        </p:nvPicPr>
+        <p:blipFill>
+          <a:blip r:embed="rId5"/>
+          <a:stretch>
+            <a:fillRect/>
+          </a:stretch>
+        </p:blipFill>
+        <p:spPr>
+          <a:xfrm>
+            <a:off x="3836670" y="1477010"/>
+            <a:ext cx="5334000" cy="5334000"/>
+          </a:xfrm>
+          <a:prstGeom prst="rect">
+            <a:avLst/>
+          </a:prstGeom>
+          <a:noFill/>
+          <a:ln w="9525">
+            <a:noFill/>
+          </a:ln>
         </p:spPr>
       </p:pic>
     </p:spTree>
@@ -11461,6 +11521,18 @@
 </file>
 
 <file path=ppt/tags/tag6.xml><?xml version="1.0" encoding="utf-8"?>
+<p:tagLst xmlns:p="http://schemas.openxmlformats.org/presentationml/2006/main">
+  <p:tag name="KSO_WM_BEAUTIFY_FLAG" val=""/>
+</p:tagLst>
+</file>
+
+<file path=ppt/tags/tag7.xml><?xml version="1.0" encoding="utf-8"?>
+<p:tagLst xmlns:p="http://schemas.openxmlformats.org/presentationml/2006/main">
+  <p:tag name="KSO_WM_BEAUTIFY_FLAG" val=""/>
+</p:tagLst>
+</file>
+
+<file path=ppt/tags/tag8.xml><?xml version="1.0" encoding="utf-8"?>
 <p:tagLst xmlns:p="http://schemas.openxmlformats.org/presentationml/2006/main">
   <p:tag name="KSO_WPP_MARK_KEY" val="a2ab7d11-cefe-4e15-8f65-b794076614ff"/>
   <p:tag name="COMMONDATA" val="eyJoZGlkIjoiOWM3NzFjODJkYzNlYjJhNjhiZTE3Y2NiNThjOWNkMzcifQ=="/>

--- a/第二部分.pptx
+++ b/第二部分.pptx
@@ -9457,7 +9457,7 @@
         <p:spPr>
           <a:xfrm>
             <a:off x="0" y="1944370"/>
-            <a:ext cx="3202305" cy="4838700"/>
+            <a:ext cx="2695575" cy="4838700"/>
           </a:xfrm>
           <a:prstGeom prst="rect">
             <a:avLst/>
@@ -9482,8 +9482,8 @@
         </p:blipFill>
         <p:spPr>
           <a:xfrm>
-            <a:off x="3319145" y="1696720"/>
-            <a:ext cx="5334000" cy="5334000"/>
+            <a:off x="8520430" y="3684270"/>
+            <a:ext cx="3671570" cy="3173730"/>
           </a:xfrm>
           <a:prstGeom prst="rect">
             <a:avLst/>
@@ -10387,7 +10387,7 @@
         <p:spPr>
           <a:xfrm>
             <a:off x="0" y="1270635"/>
-            <a:ext cx="3761740" cy="5746750"/>
+            <a:ext cx="2727960" cy="5746750"/>
           </a:xfrm>
           <a:prstGeom prst="rect">
             <a:avLst/>
@@ -10412,8 +10412,8 @@
         </p:blipFill>
         <p:spPr>
           <a:xfrm>
-            <a:off x="3836670" y="1477010"/>
-            <a:ext cx="5334000" cy="5334000"/>
+            <a:off x="7851140" y="2569210"/>
+            <a:ext cx="4340860" cy="4288790"/>
           </a:xfrm>
           <a:prstGeom prst="rect">
             <a:avLst/>
